--- a/other_pic.pptx
+++ b/other_pic.pptx
@@ -3270,7 +3270,7 @@
         <a:spcBef>
           <a:spcPts val="1000"/>
         </a:spcBef>
-        <a:buFont typeface="Arial" panose="02080604020202020204" pitchFamily="34" charset="0"/>
+        <a:buFont typeface="Arial" panose="020B0604020202020204" pitchFamily="34" charset="0"/>
         <a:buChar char="•"/>
         <a:defRPr sz="2400" kern="1200">
           <a:solidFill>
@@ -3288,7 +3288,7 @@
         <a:spcBef>
           <a:spcPts val="500"/>
         </a:spcBef>
-        <a:buFont typeface="Arial" panose="02080604020202020204" pitchFamily="34" charset="0"/>
+        <a:buFont typeface="Arial" panose="020B0604020202020204" pitchFamily="34" charset="0"/>
         <a:buChar char="•"/>
         <a:defRPr sz="2000" kern="1200">
           <a:solidFill>
@@ -3306,7 +3306,7 @@
         <a:spcBef>
           <a:spcPts val="500"/>
         </a:spcBef>
-        <a:buFont typeface="Arial" panose="02080604020202020204" pitchFamily="34" charset="0"/>
+        <a:buFont typeface="Arial" panose="020B0604020202020204" pitchFamily="34" charset="0"/>
         <a:buChar char="•"/>
         <a:defRPr sz="1800" kern="1200">
           <a:solidFill>
@@ -3324,7 +3324,7 @@
         <a:spcBef>
           <a:spcPts val="500"/>
         </a:spcBef>
-        <a:buFont typeface="Arial" panose="02080604020202020204" pitchFamily="34" charset="0"/>
+        <a:buFont typeface="Arial" panose="020B0604020202020204" pitchFamily="34" charset="0"/>
         <a:buChar char="•"/>
         <a:defRPr sz="1800" kern="1200">
           <a:solidFill>
@@ -3342,7 +3342,7 @@
         <a:spcBef>
           <a:spcPts val="500"/>
         </a:spcBef>
-        <a:buFont typeface="Arial" panose="02080604020202020204" pitchFamily="34" charset="0"/>
+        <a:buFont typeface="Arial" panose="020B0604020202020204" pitchFamily="34" charset="0"/>
         <a:buChar char="•"/>
         <a:defRPr sz="1800" kern="1200">
           <a:solidFill>
@@ -3360,7 +3360,7 @@
         <a:spcBef>
           <a:spcPts val="500"/>
         </a:spcBef>
-        <a:buFont typeface="Arial" panose="02080604020202020204" pitchFamily="34" charset="0"/>
+        <a:buFont typeface="Arial" panose="020B0604020202020204" pitchFamily="34" charset="0"/>
         <a:buChar char="•"/>
         <a:defRPr sz="1800" kern="1200">
           <a:solidFill>
@@ -3378,7 +3378,7 @@
         <a:spcBef>
           <a:spcPts val="500"/>
         </a:spcBef>
-        <a:buFont typeface="Arial" panose="02080604020202020204" pitchFamily="34" charset="0"/>
+        <a:buFont typeface="Arial" panose="020B0604020202020204" pitchFamily="34" charset="0"/>
         <a:buChar char="•"/>
         <a:defRPr sz="1800" kern="1200">
           <a:solidFill>
@@ -3396,7 +3396,7 @@
         <a:spcBef>
           <a:spcPts val="500"/>
         </a:spcBef>
-        <a:buFont typeface="Arial" panose="02080604020202020204" pitchFamily="34" charset="0"/>
+        <a:buFont typeface="Arial" panose="020B0604020202020204" pitchFamily="34" charset="0"/>
         <a:buChar char="•"/>
         <a:defRPr sz="1800" kern="1200">
           <a:solidFill>
@@ -3414,7 +3414,7 @@
         <a:spcBef>
           <a:spcPts val="500"/>
         </a:spcBef>
-        <a:buFont typeface="Arial" panose="02080604020202020204" pitchFamily="34" charset="0"/>
+        <a:buFont typeface="Arial" panose="020B0604020202020204" pitchFamily="34" charset="0"/>
         <a:buChar char="•"/>
         <a:defRPr sz="1800" kern="1200">
           <a:solidFill>
@@ -4730,7 +4730,7 @@
         </p:nvSpPr>
         <p:spPr>
           <a:xfrm>
-            <a:off x="10149840" y="5567045"/>
+            <a:off x="9292590" y="5215255"/>
             <a:ext cx="2029460" cy="275590"/>
           </a:xfrm>
           <a:prstGeom prst="rect">
@@ -4759,10 +4759,10 @@
         </p:nvGrpSpPr>
         <p:grpSpPr>
           <a:xfrm>
-            <a:off x="9716135" y="4990465"/>
-            <a:ext cx="2315845" cy="1465580"/>
+            <a:off x="8604885" y="4305300"/>
+            <a:ext cx="3473771" cy="2151380"/>
             <a:chOff x="15301" y="7859"/>
-            <a:chExt cx="3647" cy="2308"/>
+            <a:chExt cx="3697" cy="2309"/>
           </a:xfrm>
         </p:grpSpPr>
         <p:pic>
@@ -4845,8 +4845,8 @@
           </p:nvSpPr>
           <p:spPr>
             <a:xfrm>
-              <a:off x="15984" y="7967"/>
-              <a:ext cx="2965" cy="434"/>
+              <a:off x="16033" y="7967"/>
+              <a:ext cx="2965" cy="296"/>
             </a:xfrm>
             <a:prstGeom prst="rect">
               <a:avLst/>
@@ -4874,8 +4874,8 @@
           </p:nvSpPr>
           <p:spPr>
             <a:xfrm>
-              <a:off x="16033" y="9675"/>
-              <a:ext cx="2866" cy="434"/>
+              <a:off x="16033" y="9743"/>
+              <a:ext cx="2866" cy="296"/>
             </a:xfrm>
             <a:prstGeom prst="rect">
               <a:avLst/>
@@ -4916,110 +4916,142 @@
       <p:grpSpPr/>
       <p:grpSp>
         <p:nvGrpSpPr>
-          <p:cNvPr id="31" name="Group 30"/>
+          <p:cNvPr id="42" name="组合 41"/>
           <p:cNvGrpSpPr/>
           <p:nvPr/>
         </p:nvGrpSpPr>
         <p:grpSpPr>
           <a:xfrm>
-            <a:off x="1084580" y="1069975"/>
-            <a:ext cx="8745220" cy="3196590"/>
-            <a:chOff x="1708" y="1685"/>
-            <a:chExt cx="13772" cy="5034"/>
+            <a:off x="478155" y="1976755"/>
+            <a:ext cx="11035030" cy="2531110"/>
+            <a:chOff x="753" y="3113"/>
+            <a:chExt cx="17378" cy="3986"/>
           </a:xfrm>
         </p:grpSpPr>
-        <p:sp>
-          <p:nvSpPr>
-            <p:cNvPr id="4" name="Cube 3"/>
-            <p:cNvSpPr/>
-            <p:nvPr/>
-          </p:nvSpPr>
-          <p:spPr>
-            <a:xfrm>
-              <a:off x="1870" y="1685"/>
-              <a:ext cx="1596" cy="5034"/>
-            </a:xfrm>
-            <a:prstGeom prst="cube">
-              <a:avLst>
-                <a:gd name="adj" fmla="val 71176"/>
-              </a:avLst>
-            </a:prstGeom>
-          </p:spPr>
-          <p:style>
-            <a:lnRef idx="0">
-              <a:schemeClr val="accent3"/>
-            </a:lnRef>
-            <a:fillRef idx="3">
-              <a:schemeClr val="accent3"/>
-            </a:fillRef>
-            <a:effectRef idx="3">
-              <a:schemeClr val="accent3"/>
-            </a:effectRef>
-            <a:fontRef idx="minor">
-              <a:schemeClr val="lt1"/>
-            </a:fontRef>
-          </p:style>
-          <p:txBody>
-            <a:bodyPr rtlCol="0" anchor="ctr"/>
-            <a:p>
-              <a:pPr algn="ctr"/>
-              <a:endParaRPr lang="en-US" altLang="en-US"/>
-            </a:p>
-          </p:txBody>
-        </p:sp>
-        <p:sp>
-          <p:nvSpPr>
-            <p:cNvPr id="5" name="Cube 4"/>
-            <p:cNvSpPr/>
-            <p:nvPr/>
-          </p:nvSpPr>
-          <p:spPr>
-            <a:xfrm>
-              <a:off x="2633" y="2722"/>
-              <a:ext cx="1609" cy="2960"/>
-            </a:xfrm>
-            <a:prstGeom prst="cube">
-              <a:avLst>
-                <a:gd name="adj" fmla="val 57613"/>
-              </a:avLst>
-            </a:prstGeom>
-          </p:spPr>
-          <p:style>
-            <a:lnRef idx="0">
-              <a:schemeClr val="accent3"/>
-            </a:lnRef>
-            <a:fillRef idx="3">
-              <a:schemeClr val="accent3"/>
-            </a:fillRef>
-            <a:effectRef idx="3">
-              <a:schemeClr val="accent3"/>
-            </a:effectRef>
-            <a:fontRef idx="minor">
-              <a:schemeClr val="lt1"/>
-            </a:fontRef>
-          </p:style>
-          <p:txBody>
-            <a:bodyPr rtlCol="0" anchor="ctr"/>
-            <a:p>
-              <a:pPr algn="ctr"/>
-              <a:endParaRPr lang="en-US"/>
-            </a:p>
-          </p:txBody>
-        </p:sp>
         <p:grpSp>
           <p:nvGrpSpPr>
-            <p:cNvPr id="9" name="Group 8"/>
+            <p:cNvPr id="13" name="组合 12"/>
             <p:cNvGrpSpPr/>
             <p:nvPr/>
           </p:nvGrpSpPr>
           <p:grpSpPr>
             <a:xfrm>
-              <a:off x="4924" y="3205"/>
-              <a:ext cx="4505" cy="1994"/>
-              <a:chOff x="5123" y="3204"/>
-              <a:chExt cx="4505" cy="1994"/>
+              <a:off x="9789" y="3113"/>
+              <a:ext cx="8343" cy="3778"/>
+              <a:chOff x="5306" y="2931"/>
+              <a:chExt cx="8343" cy="3778"/>
             </a:xfrm>
           </p:grpSpPr>
+          <p:sp>
+            <p:nvSpPr>
+              <p:cNvPr id="4" name="Cube 3"/>
+              <p:cNvSpPr/>
+              <p:nvPr/>
+            </p:nvSpPr>
+            <p:spPr>
+              <a:xfrm>
+                <a:off x="5306" y="2931"/>
+                <a:ext cx="1143" cy="3778"/>
+              </a:xfrm>
+              <a:prstGeom prst="cube">
+                <a:avLst>
+                  <a:gd name="adj" fmla="val 71176"/>
+                </a:avLst>
+              </a:prstGeom>
+            </p:spPr>
+            <p:style>
+              <a:lnRef idx="0">
+                <a:schemeClr val="accent3"/>
+              </a:lnRef>
+              <a:fillRef idx="3">
+                <a:schemeClr val="accent3"/>
+              </a:fillRef>
+              <a:effectRef idx="3">
+                <a:schemeClr val="accent3"/>
+              </a:effectRef>
+              <a:fontRef idx="minor">
+                <a:schemeClr val="lt1"/>
+              </a:fontRef>
+            </p:style>
+            <p:txBody>
+              <a:bodyPr vert="vert270" rtlCol="0" anchor="ctr"/>
+              <a:p>
+                <a:pPr algn="ctr"/>
+                <a:r>
+                  <a:rPr lang="en-US" altLang="en-US">
+                    <a:solidFill>
+                      <a:schemeClr val="tx1"/>
+                    </a:solidFill>
+                    <a:latin typeface="Times New Roman" panose="02020603050405020304" charset="0"/>
+                    <a:cs typeface="Times New Roman" panose="02020603050405020304" charset="0"/>
+                  </a:rPr>
+                  <a:t>conv</a:t>
+                </a:r>
+                <a:endParaRPr lang="en-US" altLang="en-US">
+                  <a:solidFill>
+                    <a:schemeClr val="tx1"/>
+                  </a:solidFill>
+                  <a:latin typeface="Times New Roman" panose="02020603050405020304" charset="0"/>
+                  <a:cs typeface="Times New Roman" panose="02020603050405020304" charset="0"/>
+                </a:endParaRPr>
+              </a:p>
+            </p:txBody>
+          </p:sp>
+          <p:sp>
+            <p:nvSpPr>
+              <p:cNvPr id="5" name="Cube 4"/>
+              <p:cNvSpPr/>
+              <p:nvPr/>
+            </p:nvSpPr>
+            <p:spPr>
+              <a:xfrm>
+                <a:off x="5947" y="3563"/>
+                <a:ext cx="1186" cy="2552"/>
+              </a:xfrm>
+              <a:prstGeom prst="cube">
+                <a:avLst>
+                  <a:gd name="adj" fmla="val 57613"/>
+                </a:avLst>
+              </a:prstGeom>
+            </p:spPr>
+            <p:style>
+              <a:lnRef idx="0">
+                <a:schemeClr val="accent3"/>
+              </a:lnRef>
+              <a:fillRef idx="3">
+                <a:schemeClr val="accent3"/>
+              </a:fillRef>
+              <a:effectRef idx="3">
+                <a:schemeClr val="accent3"/>
+              </a:effectRef>
+              <a:fontRef idx="minor">
+                <a:schemeClr val="lt1"/>
+              </a:fontRef>
+            </p:style>
+            <p:txBody>
+              <a:bodyPr vert="vert270" rtlCol="0" anchor="ctr"/>
+              <a:p>
+                <a:pPr algn="ctr"/>
+                <a:r>
+                  <a:rPr lang="en-US">
+                    <a:solidFill>
+                      <a:schemeClr val="tx1"/>
+                    </a:solidFill>
+                    <a:latin typeface="Times New Roman" panose="02020603050405020304" charset="0"/>
+                    <a:cs typeface="Times New Roman" panose="02020603050405020304" charset="0"/>
+                  </a:rPr>
+                  <a:t>conv</a:t>
+                </a:r>
+                <a:endParaRPr lang="en-US">
+                  <a:solidFill>
+                    <a:schemeClr val="tx1"/>
+                  </a:solidFill>
+                  <a:latin typeface="Times New Roman" panose="02020603050405020304" charset="0"/>
+                  <a:cs typeface="Times New Roman" panose="02020603050405020304" charset="0"/>
+                </a:endParaRPr>
+              </a:p>
+            </p:txBody>
+          </p:sp>
           <p:sp>
             <p:nvSpPr>
               <p:cNvPr id="6" name="Cube 5"/>
@@ -5028,8 +5060,8 @@
             </p:nvSpPr>
             <p:spPr>
               <a:xfrm>
-                <a:off x="5123" y="3204"/>
-                <a:ext cx="2667" cy="1995"/>
+                <a:off x="6740" y="4130"/>
+                <a:ext cx="1756" cy="1469"/>
               </a:xfrm>
               <a:prstGeom prst="cube">
                 <a:avLst>
@@ -5055,26 +5087,84 @@
               <a:bodyPr rtlCol="0" anchor="ctr"/>
               <a:p>
                 <a:pPr algn="ctr"/>
+                <a:r>
+                  <a:rPr lang="en-US">
+                    <a:solidFill>
+                      <a:schemeClr val="tx1"/>
+                    </a:solidFill>
+                    <a:latin typeface="Times New Roman" panose="02020603050405020304" charset="0"/>
+                    <a:cs typeface="Times New Roman" panose="02020603050405020304" charset="0"/>
+                  </a:rPr>
+                  <a:t>conv</a:t>
+                </a:r>
+                <a:endParaRPr lang="en-US">
+                  <a:solidFill>
+                    <a:schemeClr val="tx1"/>
+                  </a:solidFill>
+                  <a:latin typeface="Times New Roman" panose="02020603050405020304" charset="0"/>
+                  <a:cs typeface="Times New Roman" panose="02020603050405020304" charset="0"/>
+                </a:endParaRPr>
+              </a:p>
+            </p:txBody>
+          </p:sp>
+          <p:sp>
+            <p:nvSpPr>
+              <p:cNvPr id="11" name="Right Arrow 10"/>
+              <p:cNvSpPr/>
+              <p:nvPr/>
+            </p:nvSpPr>
+            <p:spPr>
+              <a:xfrm>
+                <a:off x="8496" y="4697"/>
+                <a:ext cx="462" cy="283"/>
+              </a:xfrm>
+              <a:prstGeom prst="rightArrow">
+                <a:avLst/>
+              </a:prstGeom>
+            </p:spPr>
+            <p:style>
+              <a:lnRef idx="0">
+                <a:schemeClr val="accent4"/>
+              </a:lnRef>
+              <a:fillRef idx="3">
+                <a:schemeClr val="accent4"/>
+              </a:fillRef>
+              <a:effectRef idx="3">
+                <a:schemeClr val="accent4"/>
+              </a:effectRef>
+              <a:fontRef idx="minor">
+                <a:schemeClr val="lt1"/>
+              </a:fontRef>
+            </p:style>
+            <p:txBody>
+              <a:bodyPr rtlCol="0" anchor="ctr"/>
+              <a:p>
+                <a:pPr algn="ctr"/>
                 <a:endParaRPr lang="en-US"/>
               </a:p>
             </p:txBody>
           </p:sp>
           <p:sp>
             <p:nvSpPr>
-              <p:cNvPr id="7" name="Cube 6"/>
+              <p:cNvPr id="14" name="Rectangle 13"/>
               <p:cNvSpPr/>
               <p:nvPr/>
             </p:nvSpPr>
             <p:spPr>
               <a:xfrm>
-                <a:off x="7482" y="3544"/>
-                <a:ext cx="2146" cy="1315"/>
+                <a:off x="8958" y="3919"/>
+                <a:ext cx="388" cy="1836"/>
               </a:xfrm>
-              <a:prstGeom prst="cube">
-                <a:avLst>
-                  <a:gd name="adj" fmla="val 31351"/>
-                </a:avLst>
+              <a:prstGeom prst="rect">
+                <a:avLst/>
               </a:prstGeom>
+              <a:effectLst>
+                <a:outerShdw blurRad="50800" dist="38100" algn="l" rotWithShape="0">
+                  <a:prstClr val="black">
+                    <a:alpha val="40000"/>
+                  </a:prstClr>
+                </a:outerShdw>
+              </a:effectLst>
             </p:spPr>
             <p:style>
               <a:lnRef idx="0">
@@ -5091,6 +5181,59 @@
               </a:fontRef>
             </p:style>
             <p:txBody>
+              <a:bodyPr vert="vert270" rtlCol="0" anchor="ctr"/>
+              <a:p>
+                <a:pPr algn="ctr"/>
+                <a:r>
+                  <a:rPr lang="en-US" sz="1600">
+                    <a:solidFill>
+                      <a:schemeClr val="tx1"/>
+                    </a:solidFill>
+                    <a:latin typeface="Times New Roman" panose="02020603050405020304" charset="0"/>
+                    <a:cs typeface="Times New Roman" panose="02020603050405020304" charset="0"/>
+                  </a:rPr>
+                  <a:t>FC-4096</a:t>
+                </a:r>
+                <a:endParaRPr lang="en-US" sz="1600">
+                  <a:solidFill>
+                    <a:schemeClr val="tx1"/>
+                  </a:solidFill>
+                  <a:latin typeface="Times New Roman" panose="02020603050405020304" charset="0"/>
+                  <a:cs typeface="Times New Roman" panose="02020603050405020304" charset="0"/>
+                </a:endParaRPr>
+              </a:p>
+            </p:txBody>
+          </p:sp>
+          <p:sp>
+            <p:nvSpPr>
+              <p:cNvPr id="17" name="Right Arrow 16"/>
+              <p:cNvSpPr/>
+              <p:nvPr/>
+            </p:nvSpPr>
+            <p:spPr>
+              <a:xfrm>
+                <a:off x="9369" y="4698"/>
+                <a:ext cx="462" cy="282"/>
+              </a:xfrm>
+              <a:prstGeom prst="rightArrow">
+                <a:avLst/>
+              </a:prstGeom>
+            </p:spPr>
+            <p:style>
+              <a:lnRef idx="0">
+                <a:schemeClr val="accent4"/>
+              </a:lnRef>
+              <a:fillRef idx="3">
+                <a:schemeClr val="accent4"/>
+              </a:fillRef>
+              <a:effectRef idx="3">
+                <a:schemeClr val="accent4"/>
+              </a:effectRef>
+              <a:fontRef idx="minor">
+                <a:schemeClr val="lt1"/>
+              </a:fontRef>
+            </p:style>
+            <p:txBody>
               <a:bodyPr rtlCol="0" anchor="ctr"/>
               <a:p>
                 <a:pPr algn="ctr"/>
@@ -5098,466 +5241,593 @@
               </a:p>
             </p:txBody>
           </p:sp>
+          <p:sp>
+            <p:nvSpPr>
+              <p:cNvPr id="18" name="Rectangle 17"/>
+              <p:cNvSpPr/>
+              <p:nvPr/>
+            </p:nvSpPr>
+            <p:spPr>
+              <a:xfrm>
+                <a:off x="9831" y="3919"/>
+                <a:ext cx="388" cy="1834"/>
+              </a:xfrm>
+              <a:prstGeom prst="rect">
+                <a:avLst/>
+              </a:prstGeom>
+              <a:effectLst/>
+            </p:spPr>
+            <p:style>
+              <a:lnRef idx="3">
+                <a:schemeClr val="lt1"/>
+              </a:lnRef>
+              <a:fillRef idx="1">
+                <a:schemeClr val="accent3"/>
+              </a:fillRef>
+              <a:effectRef idx="1">
+                <a:schemeClr val="accent3"/>
+              </a:effectRef>
+              <a:fontRef idx="minor">
+                <a:schemeClr val="lt1"/>
+              </a:fontRef>
+            </p:style>
+            <p:txBody>
+              <a:bodyPr vert="vert270" rtlCol="0" anchor="ctr"/>
+              <a:p>
+                <a:pPr algn="ctr"/>
+                <a:r>
+                  <a:rPr lang="en-US" sz="1400">
+                    <a:solidFill>
+                      <a:schemeClr val="tx1"/>
+                    </a:solidFill>
+                    <a:latin typeface="Times New Roman" panose="02020603050405020304" charset="0"/>
+                    <a:cs typeface="Times New Roman" panose="02020603050405020304" charset="0"/>
+                  </a:rPr>
+                  <a:t>FC-trackletid</a:t>
+                </a:r>
+                <a:endParaRPr lang="en-US" sz="1400">
+                  <a:solidFill>
+                    <a:schemeClr val="tx1"/>
+                  </a:solidFill>
+                  <a:latin typeface="Times New Roman" panose="02020603050405020304" charset="0"/>
+                  <a:cs typeface="Times New Roman" panose="02020603050405020304" charset="0"/>
+                </a:endParaRPr>
+              </a:p>
+            </p:txBody>
+          </p:sp>
+          <p:sp>
+            <p:nvSpPr>
+              <p:cNvPr id="19" name="Right Arrow 18"/>
+              <p:cNvSpPr/>
+              <p:nvPr/>
+            </p:nvSpPr>
+            <p:spPr>
+              <a:xfrm>
+                <a:off x="10219" y="4696"/>
+                <a:ext cx="403" cy="284"/>
+              </a:xfrm>
+              <a:prstGeom prst="rightArrow">
+                <a:avLst/>
+              </a:prstGeom>
+            </p:spPr>
+            <p:style>
+              <a:lnRef idx="0">
+                <a:schemeClr val="accent4"/>
+              </a:lnRef>
+              <a:fillRef idx="3">
+                <a:schemeClr val="accent4"/>
+              </a:fillRef>
+              <a:effectRef idx="3">
+                <a:schemeClr val="accent4"/>
+              </a:effectRef>
+              <a:fontRef idx="minor">
+                <a:schemeClr val="lt1"/>
+              </a:fontRef>
+            </p:style>
+            <p:txBody>
+              <a:bodyPr rtlCol="0" anchor="ctr"/>
+              <a:p>
+                <a:pPr algn="ctr"/>
+                <a:endParaRPr lang="en-US"/>
+              </a:p>
+            </p:txBody>
+          </p:sp>
+          <p:sp>
+            <p:nvSpPr>
+              <p:cNvPr id="20" name="Rounded Rectangle 19"/>
+              <p:cNvSpPr/>
+              <p:nvPr/>
+            </p:nvSpPr>
+            <p:spPr>
+              <a:xfrm>
+                <a:off x="10622" y="4481"/>
+                <a:ext cx="1312" cy="679"/>
+              </a:xfrm>
+              <a:prstGeom prst="roundRect">
+                <a:avLst/>
+              </a:prstGeom>
+              <a:effectLst>
+                <a:outerShdw blurRad="50800" dist="38100" algn="l" rotWithShape="0">
+                  <a:prstClr val="black">
+                    <a:alpha val="40000"/>
+                  </a:prstClr>
+                </a:outerShdw>
+              </a:effectLst>
+            </p:spPr>
+            <p:style>
+              <a:lnRef idx="2">
+                <a:schemeClr val="accent3">
+                  <a:shade val="50000"/>
+                </a:schemeClr>
+              </a:lnRef>
+              <a:fillRef idx="1">
+                <a:schemeClr val="accent3"/>
+              </a:fillRef>
+              <a:effectRef idx="0">
+                <a:schemeClr val="accent3"/>
+              </a:effectRef>
+              <a:fontRef idx="minor">
+                <a:schemeClr val="lt1"/>
+              </a:fontRef>
+            </p:style>
+            <p:txBody>
+              <a:bodyPr rtlCol="0" anchor="ctr"/>
+              <a:p>
+                <a:pPr algn="ctr"/>
+                <a:r>
+                  <a:rPr lang="en-US" altLang="en-US" sz="1400">
+                    <a:solidFill>
+                      <a:schemeClr val="tx1"/>
+                    </a:solidFill>
+                    <a:latin typeface="Times New Roman" panose="02020603050405020304" charset="0"/>
+                    <a:cs typeface="Times New Roman" panose="02020603050405020304" charset="0"/>
+                  </a:rPr>
+                  <a:t>softmax</a:t>
+                </a:r>
+                <a:endParaRPr lang="en-US" altLang="en-US" sz="1400">
+                  <a:solidFill>
+                    <a:schemeClr val="tx1"/>
+                  </a:solidFill>
+                  <a:latin typeface="Times New Roman" panose="02020603050405020304" charset="0"/>
+                  <a:cs typeface="Times New Roman" panose="02020603050405020304" charset="0"/>
+                </a:endParaRPr>
+              </a:p>
+            </p:txBody>
+          </p:sp>
+          <p:sp>
+            <p:nvSpPr>
+              <p:cNvPr id="8" name="Right Arrow 18"/>
+              <p:cNvSpPr/>
+              <p:nvPr/>
+            </p:nvSpPr>
+            <p:spPr>
+              <a:xfrm>
+                <a:off x="11934" y="4678"/>
+                <a:ext cx="403" cy="284"/>
+              </a:xfrm>
+              <a:prstGeom prst="rightArrow">
+                <a:avLst/>
+              </a:prstGeom>
+            </p:spPr>
+            <p:style>
+              <a:lnRef idx="0">
+                <a:schemeClr val="accent4"/>
+              </a:lnRef>
+              <a:fillRef idx="3">
+                <a:schemeClr val="accent4"/>
+              </a:fillRef>
+              <a:effectRef idx="3">
+                <a:schemeClr val="accent4"/>
+              </a:effectRef>
+              <a:fontRef idx="minor">
+                <a:schemeClr val="lt1"/>
+              </a:fontRef>
+            </p:style>
+            <p:txBody>
+              <a:bodyPr rtlCol="0" anchor="ctr"/>
+              <a:p>
+                <a:pPr algn="ctr"/>
+                <a:endParaRPr lang="en-US"/>
+              </a:p>
+            </p:txBody>
+          </p:sp>
+          <p:sp>
+            <p:nvSpPr>
+              <p:cNvPr id="12" name="Rounded Rectangle 19"/>
+              <p:cNvSpPr/>
+              <p:nvPr/>
+            </p:nvSpPr>
+            <p:spPr>
+              <a:xfrm>
+                <a:off x="12337" y="4496"/>
+                <a:ext cx="1312" cy="679"/>
+              </a:xfrm>
+              <a:prstGeom prst="roundRect">
+                <a:avLst/>
+              </a:prstGeom>
+              <a:effectLst>
+                <a:outerShdw blurRad="50800" dist="38100" algn="l" rotWithShape="0">
+                  <a:prstClr val="black">
+                    <a:alpha val="40000"/>
+                  </a:prstClr>
+                </a:outerShdw>
+              </a:effectLst>
+            </p:spPr>
+            <p:style>
+              <a:lnRef idx="2">
+                <a:schemeClr val="accent3">
+                  <a:shade val="50000"/>
+                </a:schemeClr>
+              </a:lnRef>
+              <a:fillRef idx="1">
+                <a:schemeClr val="accent3"/>
+              </a:fillRef>
+              <a:effectRef idx="0">
+                <a:schemeClr val="accent3"/>
+              </a:effectRef>
+              <a:fontRef idx="minor">
+                <a:schemeClr val="lt1"/>
+              </a:fontRef>
+            </p:style>
+            <p:txBody>
+              <a:bodyPr rtlCol="0" anchor="ctr"/>
+              <a:p>
+                <a:pPr algn="ctr"/>
+                <a:r>
+                  <a:rPr lang="en-US" altLang="en-US" sz="1400">
+                    <a:solidFill>
+                      <a:schemeClr val="tx1"/>
+                    </a:solidFill>
+                    <a:latin typeface="Times New Roman" panose="02020603050405020304" charset="0"/>
+                    <a:cs typeface="Times New Roman" panose="02020603050405020304" charset="0"/>
+                  </a:rPr>
+                  <a:t>V</a:t>
+                </a:r>
+                <a:r>
+                  <a:rPr lang="en-US" altLang="en-US" sz="1400" baseline="-25000">
+                    <a:solidFill>
+                      <a:schemeClr val="tx1"/>
+                    </a:solidFill>
+                    <a:latin typeface="Times New Roman" panose="02020603050405020304" charset="0"/>
+                    <a:cs typeface="Times New Roman" panose="02020603050405020304" charset="0"/>
+                  </a:rPr>
+                  <a:t>local</a:t>
+                </a:r>
+                <a:endParaRPr lang="en-US" altLang="en-US" sz="1400" baseline="-25000">
+                  <a:solidFill>
+                    <a:schemeClr val="tx1"/>
+                  </a:solidFill>
+                  <a:latin typeface="Times New Roman" panose="02020603050405020304" charset="0"/>
+                  <a:cs typeface="Times New Roman" panose="02020603050405020304" charset="0"/>
+                </a:endParaRPr>
+              </a:p>
+            </p:txBody>
+          </p:sp>
+        </p:grpSp>
+        <p:grpSp>
+          <p:nvGrpSpPr>
+            <p:cNvPr id="29" name="组合 28"/>
+            <p:cNvGrpSpPr/>
+            <p:nvPr/>
+          </p:nvGrpSpPr>
+          <p:grpSpPr>
+            <a:xfrm>
+              <a:off x="3410" y="4102"/>
+              <a:ext cx="3228" cy="2406"/>
+              <a:chOff x="2127" y="4312"/>
+              <a:chExt cx="2896" cy="1932"/>
+            </a:xfrm>
+          </p:grpSpPr>
+          <p:sp>
+            <p:nvSpPr>
+              <p:cNvPr id="23" name="梯形 22"/>
+              <p:cNvSpPr/>
+              <p:nvPr/>
+            </p:nvSpPr>
+            <p:spPr>
+              <a:xfrm rot="5400000">
+                <a:off x="1885" y="4554"/>
+                <a:ext cx="1933" cy="1448"/>
+              </a:xfrm>
+              <a:prstGeom prst="trapezoid">
+                <a:avLst/>
+              </a:prstGeom>
+            </p:spPr>
+            <p:style>
+              <a:lnRef idx="0">
+                <a:schemeClr val="accent3"/>
+              </a:lnRef>
+              <a:fillRef idx="3">
+                <a:schemeClr val="accent3"/>
+              </a:fillRef>
+              <a:effectRef idx="3">
+                <a:schemeClr val="accent3"/>
+              </a:effectRef>
+              <a:fontRef idx="minor">
+                <a:schemeClr val="lt1"/>
+              </a:fontRef>
+            </p:style>
+            <p:txBody>
+              <a:bodyPr rtlCol="0" anchor="ctr"/>
+              <a:p>
+                <a:pPr algn="ctr"/>
+                <a:endParaRPr lang="zh-CN" altLang="en-US"/>
+              </a:p>
+            </p:txBody>
+          </p:sp>
+          <p:sp>
+            <p:nvSpPr>
+              <p:cNvPr id="28" name="梯形 27"/>
+              <p:cNvSpPr/>
+              <p:nvPr/>
+            </p:nvSpPr>
+            <p:spPr>
+              <a:xfrm rot="16200000">
+                <a:off x="3333" y="4554"/>
+                <a:ext cx="1933" cy="1448"/>
+              </a:xfrm>
+              <a:prstGeom prst="trapezoid">
+                <a:avLst/>
+              </a:prstGeom>
+            </p:spPr>
+            <p:style>
+              <a:lnRef idx="0">
+                <a:schemeClr val="accent3"/>
+              </a:lnRef>
+              <a:fillRef idx="3">
+                <a:schemeClr val="accent3"/>
+              </a:fillRef>
+              <a:effectRef idx="3">
+                <a:schemeClr val="accent3"/>
+              </a:effectRef>
+              <a:fontRef idx="minor">
+                <a:schemeClr val="lt1"/>
+              </a:fontRef>
+            </p:style>
+            <p:txBody>
+              <a:bodyPr rtlCol="0" anchor="ctr"/>
+              <a:p>
+                <a:pPr algn="ctr"/>
+                <a:endParaRPr lang="zh-CN" altLang="en-US"/>
+              </a:p>
+            </p:txBody>
+          </p:sp>
         </p:grpSp>
         <p:sp>
           <p:nvSpPr>
-            <p:cNvPr id="10" name="Right Arrow 9"/>
+            <p:cNvPr id="32" name="圆角矩形 31"/>
             <p:cNvSpPr/>
             <p:nvPr/>
           </p:nvSpPr>
           <p:spPr>
             <a:xfrm>
-              <a:off x="4242" y="4061"/>
-              <a:ext cx="682" cy="283"/>
+              <a:off x="753" y="3744"/>
+              <a:ext cx="2218" cy="3355"/>
             </a:xfrm>
-            <a:prstGeom prst="rightArrow">
+            <a:prstGeom prst="roundRect">
               <a:avLst/>
             </a:prstGeom>
+            <a:ln w="28575">
+              <a:prstDash val="sysDash"/>
+            </a:ln>
           </p:spPr>
           <p:style>
-            <a:lnRef idx="0">
-              <a:schemeClr val="accent4"/>
+            <a:lnRef idx="2">
+              <a:schemeClr val="accent6"/>
             </a:lnRef>
-            <a:fillRef idx="3">
-              <a:schemeClr val="accent4"/>
+            <a:fillRef idx="1">
+              <a:schemeClr val="lt1"/>
             </a:fillRef>
-            <a:effectRef idx="3">
-              <a:schemeClr val="accent4"/>
+            <a:effectRef idx="0">
+              <a:schemeClr val="accent6"/>
             </a:effectRef>
             <a:fontRef idx="minor">
-              <a:schemeClr val="lt1"/>
+              <a:schemeClr val="dk1"/>
             </a:fontRef>
           </p:style>
           <p:txBody>
             <a:bodyPr rtlCol="0" anchor="ctr"/>
             <a:p>
               <a:pPr algn="ctr"/>
-              <a:endParaRPr lang="en-US"/>
+              <a:endParaRPr lang="zh-CN" altLang="en-US"/>
             </a:p>
           </p:txBody>
         </p:sp>
         <p:sp>
           <p:nvSpPr>
-            <p:cNvPr id="11" name="Right Arrow 10"/>
+            <p:cNvPr id="34" name="圆角矩形 33"/>
             <p:cNvSpPr/>
             <p:nvPr/>
           </p:nvSpPr>
           <p:spPr>
             <a:xfrm>
-              <a:off x="9429" y="4061"/>
-              <a:ext cx="628" cy="283"/>
+              <a:off x="7097" y="3745"/>
+              <a:ext cx="2218" cy="3354"/>
             </a:xfrm>
-            <a:prstGeom prst="rightArrow">
+            <a:prstGeom prst="roundRect">
               <a:avLst/>
             </a:prstGeom>
+            <a:ln w="28575">
+              <a:prstDash val="sysDash"/>
+            </a:ln>
           </p:spPr>
           <p:style>
-            <a:lnRef idx="0">
-              <a:schemeClr val="accent4"/>
+            <a:lnRef idx="2">
+              <a:schemeClr val="accent6"/>
             </a:lnRef>
-            <a:fillRef idx="3">
-              <a:schemeClr val="accent4"/>
+            <a:fillRef idx="1">
+              <a:schemeClr val="lt1"/>
             </a:fillRef>
-            <a:effectRef idx="3">
-              <a:schemeClr val="accent4"/>
+            <a:effectRef idx="0">
+              <a:schemeClr val="accent6"/>
             </a:effectRef>
             <a:fontRef idx="minor">
-              <a:schemeClr val="lt1"/>
+              <a:schemeClr val="dk1"/>
             </a:fontRef>
           </p:style>
           <p:txBody>
             <a:bodyPr rtlCol="0" anchor="ctr"/>
             <a:p>
               <a:pPr algn="ctr"/>
-              <a:endParaRPr lang="en-US"/>
+              <a:endParaRPr lang="zh-CN" altLang="en-US"/>
             </a:p>
           </p:txBody>
         </p:sp>
-        <p:sp>
-          <p:nvSpPr>
-            <p:cNvPr id="14" name="Rectangle 13"/>
-            <p:cNvSpPr/>
+        <p:pic>
+          <p:nvPicPr>
+            <p:cNvPr id="39" name="图片 38" descr="1296_"/>
+            <p:cNvPicPr>
+              <a:picLocks noChangeAspect="1"/>
+            </p:cNvPicPr>
             <p:nvPr/>
-          </p:nvSpPr>
+          </p:nvPicPr>
+          <p:blipFill>
+            <a:blip r:embed="rId1"/>
+            <a:stretch>
+              <a:fillRect/>
+            </a:stretch>
+          </p:blipFill>
           <p:spPr>
             <a:xfrm>
-              <a:off x="10057" y="2722"/>
-              <a:ext cx="388" cy="3279"/>
+              <a:off x="915" y="4101"/>
+              <a:ext cx="960" cy="1920"/>
             </a:xfrm>
             <a:prstGeom prst="rect">
               <a:avLst/>
             </a:prstGeom>
-            <a:effectLst>
-              <a:outerShdw blurRad="50800" dist="38100" algn="l" rotWithShape="0">
-                <a:prstClr val="black">
-                  <a:alpha val="40000"/>
-                </a:prstClr>
-              </a:outerShdw>
-            </a:effectLst>
           </p:spPr>
-          <p:style>
-            <a:lnRef idx="0">
-              <a:schemeClr val="accent6"/>
-            </a:lnRef>
-            <a:fillRef idx="3">
-              <a:schemeClr val="accent6"/>
-            </a:fillRef>
-            <a:effectRef idx="3">
-              <a:schemeClr val="accent6"/>
-            </a:effectRef>
-            <a:fontRef idx="minor">
-              <a:schemeClr val="lt1"/>
-            </a:fontRef>
-          </p:style>
-          <p:txBody>
-            <a:bodyPr rtlCol="0" anchor="ctr"/>
-            <a:p>
-              <a:pPr algn="ctr"/>
-              <a:endParaRPr lang="en-US"/>
-            </a:p>
-          </p:txBody>
-        </p:sp>
-        <p:sp>
-          <p:nvSpPr>
-            <p:cNvPr id="15" name="Right Arrow 14"/>
-            <p:cNvSpPr/>
+        </p:pic>
+        <p:pic>
+          <p:nvPicPr>
+            <p:cNvPr id="40" name="图片 39" descr="1296_c2s3_025257_02"/>
+            <p:cNvPicPr>
+              <a:picLocks noChangeAspect="1"/>
+            </p:cNvPicPr>
             <p:nvPr/>
-          </p:nvSpPr>
+          </p:nvPicPr>
+          <p:blipFill>
+            <a:blip r:embed="rId2"/>
+            <a:srcRect/>
+            <a:stretch>
+              <a:fillRect/>
+            </a:stretch>
+          </p:blipFill>
           <p:spPr>
             <a:xfrm>
-              <a:off x="10445" y="4061"/>
-              <a:ext cx="628" cy="283"/>
-            </a:xfrm>
-            <a:prstGeom prst="rightArrow">
-              <a:avLst/>
-            </a:prstGeom>
-          </p:spPr>
-          <p:style>
-            <a:lnRef idx="0">
-              <a:schemeClr val="accent4"/>
-            </a:lnRef>
-            <a:fillRef idx="3">
-              <a:schemeClr val="accent4"/>
-            </a:fillRef>
-            <a:effectRef idx="3">
-              <a:schemeClr val="accent4"/>
-            </a:effectRef>
-            <a:fontRef idx="minor">
-              <a:schemeClr val="lt1"/>
-            </a:fontRef>
-          </p:style>
-          <p:txBody>
-            <a:bodyPr rtlCol="0" anchor="ctr"/>
-            <a:p>
-              <a:pPr algn="ctr"/>
-              <a:endParaRPr lang="en-US"/>
-            </a:p>
-          </p:txBody>
-        </p:sp>
-        <p:sp>
-          <p:nvSpPr>
-            <p:cNvPr id="16" name="Rectangle 15"/>
-            <p:cNvSpPr/>
-            <p:nvPr/>
-          </p:nvSpPr>
-          <p:spPr>
-            <a:xfrm>
-              <a:off x="11073" y="2722"/>
-              <a:ext cx="388" cy="3279"/>
+              <a:off x="7254" y="4101"/>
+              <a:ext cx="960" cy="1920"/>
             </a:xfrm>
             <a:prstGeom prst="rect">
               <a:avLst/>
             </a:prstGeom>
-            <a:effectLst>
-              <a:outerShdw blurRad="50800" dist="38100" algn="l" rotWithShape="0">
-                <a:prstClr val="black">
-                  <a:alpha val="40000"/>
-                </a:prstClr>
-              </a:outerShdw>
-            </a:effectLst>
           </p:spPr>
-          <p:style>
-            <a:lnRef idx="0">
-              <a:schemeClr val="accent6"/>
-            </a:lnRef>
-            <a:fillRef idx="3">
-              <a:schemeClr val="accent6"/>
-            </a:fillRef>
-            <a:effectRef idx="3">
-              <a:schemeClr val="accent6"/>
-            </a:effectRef>
-            <a:fontRef idx="minor">
-              <a:schemeClr val="lt1"/>
-            </a:fontRef>
-          </p:style>
-          <p:txBody>
-            <a:bodyPr rtlCol="0" anchor="ctr"/>
-            <a:p>
-              <a:pPr algn="ctr"/>
-              <a:endParaRPr lang="en-US"/>
-            </a:p>
-          </p:txBody>
-        </p:sp>
-        <p:sp>
-          <p:nvSpPr>
-            <p:cNvPr id="17" name="Right Arrow 16"/>
-            <p:cNvSpPr/>
+        </p:pic>
+        <p:pic>
+          <p:nvPicPr>
+            <p:cNvPr id="35" name="图片 34" descr="0022_"/>
+            <p:cNvPicPr>
+              <a:picLocks noChangeAspect="1"/>
+            </p:cNvPicPr>
             <p:nvPr/>
-          </p:nvSpPr>
+          </p:nvPicPr>
+          <p:blipFill>
+            <a:blip r:embed="rId3"/>
+            <a:stretch>
+              <a:fillRect/>
+            </a:stretch>
+          </p:blipFill>
           <p:spPr>
             <a:xfrm>
-              <a:off x="11461" y="4061"/>
-              <a:ext cx="628" cy="283"/>
-            </a:xfrm>
-            <a:prstGeom prst="rightArrow">
-              <a:avLst/>
-            </a:prstGeom>
-          </p:spPr>
-          <p:style>
-            <a:lnRef idx="0">
-              <a:schemeClr val="accent4"/>
-            </a:lnRef>
-            <a:fillRef idx="3">
-              <a:schemeClr val="accent4"/>
-            </a:fillRef>
-            <a:effectRef idx="3">
-              <a:schemeClr val="accent4"/>
-            </a:effectRef>
-            <a:fontRef idx="minor">
-              <a:schemeClr val="lt1"/>
-            </a:fontRef>
-          </p:style>
-          <p:txBody>
-            <a:bodyPr rtlCol="0" anchor="ctr"/>
-            <a:p>
-              <a:pPr algn="ctr"/>
-              <a:endParaRPr lang="en-US"/>
-            </a:p>
-          </p:txBody>
-        </p:sp>
-        <p:sp>
-          <p:nvSpPr>
-            <p:cNvPr id="18" name="Rectangle 17"/>
-            <p:cNvSpPr/>
-            <p:nvPr/>
-          </p:nvSpPr>
-          <p:spPr>
-            <a:xfrm>
-              <a:off x="12089" y="2722"/>
-              <a:ext cx="388" cy="3279"/>
+              <a:off x="1482" y="4440"/>
+              <a:ext cx="960" cy="1920"/>
             </a:xfrm>
             <a:prstGeom prst="rect">
               <a:avLst/>
             </a:prstGeom>
-            <a:effectLst>
-              <a:outerShdw blurRad="50800" dist="38100" algn="l" rotWithShape="0">
-                <a:prstClr val="black">
-                  <a:alpha val="40000"/>
-                </a:prstClr>
-              </a:outerShdw>
-            </a:effectLst>
           </p:spPr>
-          <p:style>
-            <a:lnRef idx="3">
-              <a:schemeClr val="lt1"/>
-            </a:lnRef>
-            <a:fillRef idx="1">
-              <a:schemeClr val="accent3"/>
-            </a:fillRef>
-            <a:effectRef idx="1">
-              <a:schemeClr val="accent3"/>
-            </a:effectRef>
-            <a:fontRef idx="minor">
-              <a:schemeClr val="lt1"/>
-            </a:fontRef>
-          </p:style>
-          <p:txBody>
-            <a:bodyPr rtlCol="0" anchor="ctr"/>
-            <a:p>
-              <a:pPr algn="ctr"/>
-              <a:endParaRPr lang="en-US"/>
-            </a:p>
-          </p:txBody>
-        </p:sp>
-        <p:sp>
-          <p:nvSpPr>
-            <p:cNvPr id="19" name="Right Arrow 18"/>
-            <p:cNvSpPr/>
+        </p:pic>
+        <p:pic>
+          <p:nvPicPr>
+            <p:cNvPr id="36" name="图片 35" descr="0022_c4s1_045201_02"/>
+            <p:cNvPicPr>
+              <a:picLocks noChangeAspect="1"/>
+            </p:cNvPicPr>
             <p:nvPr/>
-          </p:nvSpPr>
+          </p:nvPicPr>
+          <p:blipFill>
+            <a:blip r:embed="rId4"/>
+            <a:stretch>
+              <a:fillRect/>
+            </a:stretch>
+          </p:blipFill>
           <p:spPr>
             <a:xfrm>
-              <a:off x="12477" y="4060"/>
-              <a:ext cx="628" cy="283"/>
-            </a:xfrm>
-            <a:prstGeom prst="rightArrow">
-              <a:avLst/>
-            </a:prstGeom>
-          </p:spPr>
-          <p:style>
-            <a:lnRef idx="0">
-              <a:schemeClr val="accent4"/>
-            </a:lnRef>
-            <a:fillRef idx="3">
-              <a:schemeClr val="accent4"/>
-            </a:fillRef>
-            <a:effectRef idx="3">
-              <a:schemeClr val="accent4"/>
-            </a:effectRef>
-            <a:fontRef idx="minor">
-              <a:schemeClr val="lt1"/>
-            </a:fontRef>
-          </p:style>
-          <p:txBody>
-            <a:bodyPr rtlCol="0" anchor="ctr"/>
-            <a:p>
-              <a:pPr algn="ctr"/>
-              <a:endParaRPr lang="en-US"/>
-            </a:p>
-          </p:txBody>
-        </p:sp>
-        <p:sp>
-          <p:nvSpPr>
-            <p:cNvPr id="20" name="Rounded Rectangle 19"/>
-            <p:cNvSpPr/>
-            <p:nvPr/>
-          </p:nvSpPr>
-          <p:spPr>
-            <a:xfrm>
-              <a:off x="13098" y="3652"/>
-              <a:ext cx="2382" cy="1312"/>
-            </a:xfrm>
-            <a:prstGeom prst="roundRect">
-              <a:avLst/>
-            </a:prstGeom>
-            <a:effectLst>
-              <a:outerShdw blurRad="50800" dist="38100" algn="l" rotWithShape="0">
-                <a:prstClr val="black">
-                  <a:alpha val="40000"/>
-                </a:prstClr>
-              </a:outerShdw>
-            </a:effectLst>
-          </p:spPr>
-          <p:style>
-            <a:lnRef idx="2">
-              <a:schemeClr val="accent3">
-                <a:shade val="50000"/>
-              </a:schemeClr>
-            </a:lnRef>
-            <a:fillRef idx="1">
-              <a:schemeClr val="accent3"/>
-            </a:fillRef>
-            <a:effectRef idx="0">
-              <a:schemeClr val="accent3"/>
-            </a:effectRef>
-            <a:fontRef idx="minor">
-              <a:schemeClr val="lt1"/>
-            </a:fontRef>
-          </p:style>
-          <p:txBody>
-            <a:bodyPr rtlCol="0" anchor="ctr"/>
-            <a:p>
-              <a:pPr algn="ctr"/>
-              <a:r>
-                <a:rPr lang="en-US" altLang="en-US">
-                  <a:solidFill>
-                    <a:schemeClr val="tx1"/>
-                  </a:solidFill>
-                  <a:latin typeface="FreeMono" panose="020F0409020205020404" charset="0"/>
-                  <a:cs typeface="FreeMono" panose="020F0409020205020404" charset="0"/>
-                </a:rPr>
-                <a:t>softmax</a:t>
-              </a:r>
-              <a:endParaRPr lang="en-US" altLang="en-US">
-                <a:solidFill>
-                  <a:schemeClr val="tx1"/>
-                </a:solidFill>
-                <a:latin typeface="FreeMono" panose="020F0409020205020404" charset="0"/>
-                <a:cs typeface="FreeMono" panose="020F0409020205020404" charset="0"/>
-              </a:endParaRPr>
-            </a:p>
-          </p:txBody>
-        </p:sp>
-        <p:sp>
-          <p:nvSpPr>
-            <p:cNvPr id="21" name="Text Box 20"/>
-            <p:cNvSpPr txBox="1"/>
-            <p:nvPr/>
-          </p:nvSpPr>
-          <p:spPr>
-            <a:xfrm rot="10800000">
-              <a:off x="1708" y="4061"/>
-              <a:ext cx="724" cy="1178"/>
+              <a:off x="7726" y="4441"/>
+              <a:ext cx="960" cy="1920"/>
             </a:xfrm>
             <a:prstGeom prst="rect">
               <a:avLst/>
             </a:prstGeom>
-            <a:noFill/>
           </p:spPr>
-          <p:txBody>
-            <a:bodyPr vert="eaVert" wrap="square" rtlCol="0">
-              <a:spAutoFit/>
-            </a:bodyPr>
-            <a:p>
-              <a:r>
-                <a:rPr lang="en-US" altLang="en-US">
-                  <a:latin typeface="FreeMono" panose="020F0409020205020404" charset="0"/>
-                  <a:cs typeface="FreeMono" panose="020F0409020205020404" charset="0"/>
-                </a:rPr>
-                <a:t>conv</a:t>
-              </a:r>
-              <a:endParaRPr lang="en-US" altLang="en-US">
-                <a:latin typeface="FreeMono" panose="020F0409020205020404" charset="0"/>
-                <a:cs typeface="FreeMono" panose="020F0409020205020404" charset="0"/>
-              </a:endParaRPr>
-            </a:p>
-          </p:txBody>
-        </p:sp>
-        <p:sp>
-          <p:nvSpPr>
-            <p:cNvPr id="22" name="Text Box 21"/>
-            <p:cNvSpPr txBox="1"/>
+        </p:pic>
+        <p:pic>
+          <p:nvPicPr>
+            <p:cNvPr id="37" name="图片 36" descr="0757_"/>
+            <p:cNvPicPr>
+              <a:picLocks noChangeAspect="1"/>
+            </p:cNvPicPr>
             <p:nvPr/>
-          </p:nvSpPr>
+          </p:nvPicPr>
+          <p:blipFill>
+            <a:blip r:embed="rId5"/>
+            <a:stretch>
+              <a:fillRect/>
+            </a:stretch>
+          </p:blipFill>
           <p:spPr>
-            <a:xfrm rot="10800000">
-              <a:off x="2545" y="4061"/>
-              <a:ext cx="724" cy="1178"/>
+            <a:xfrm>
+              <a:off x="1875" y="4860"/>
+              <a:ext cx="960" cy="1920"/>
             </a:xfrm>
             <a:prstGeom prst="rect">
               <a:avLst/>
             </a:prstGeom>
-            <a:noFill/>
           </p:spPr>
-          <p:txBody>
-            <a:bodyPr vert="eaVert" wrap="square" rtlCol="0">
-              <a:spAutoFit/>
-            </a:bodyPr>
-            <a:p>
-              <a:r>
-                <a:rPr lang="en-US" altLang="en-US">
-                  <a:latin typeface="FreeMono" panose="020F0409020205020404" charset="0"/>
-                  <a:cs typeface="FreeMono" panose="020F0409020205020404" charset="0"/>
-                </a:rPr>
-                <a:t>conv</a:t>
-              </a:r>
-              <a:endParaRPr lang="en-US" altLang="en-US">
-                <a:latin typeface="FreeMono" panose="020F0409020205020404" charset="0"/>
-                <a:cs typeface="FreeMono" panose="020F0409020205020404" charset="0"/>
-              </a:endParaRPr>
-            </a:p>
-          </p:txBody>
-        </p:sp>
+        </p:pic>
+        <p:pic>
+          <p:nvPicPr>
+            <p:cNvPr id="38" name="图片 37" descr="0757_c2s2_069232_01"/>
+            <p:cNvPicPr>
+              <a:picLocks noChangeAspect="1"/>
+            </p:cNvPicPr>
+            <p:nvPr/>
+          </p:nvPicPr>
+          <p:blipFill>
+            <a:blip r:embed="rId6"/>
+            <a:stretch>
+              <a:fillRect/>
+            </a:stretch>
+          </p:blipFill>
+          <p:spPr>
+            <a:xfrm>
+              <a:off x="8214" y="4860"/>
+              <a:ext cx="960" cy="1920"/>
+            </a:xfrm>
+            <a:prstGeom prst="rect">
+              <a:avLst/>
+            </a:prstGeom>
+          </p:spPr>
+        </p:pic>
         <p:sp>
           <p:nvSpPr>
-            <p:cNvPr id="24" name="Text Box 23"/>
+            <p:cNvPr id="41" name="文本框 40"/>
             <p:cNvSpPr txBox="1"/>
             <p:nvPr/>
           </p:nvSpPr>
           <p:spPr>
             <a:xfrm>
-              <a:off x="5255" y="4155"/>
-              <a:ext cx="1445" cy="580"/>
+              <a:off x="3934" y="5015"/>
+              <a:ext cx="2358" cy="580"/>
             </a:xfrm>
             <a:prstGeom prst="rect">
               <a:avLst/>
@@ -5570,155 +5840,15 @@
             </a:bodyPr>
             <a:p>
               <a:r>
-                <a:rPr lang="en-US" altLang="en-US">
-                  <a:latin typeface="FreeMono" panose="020F0409020205020404" charset="0"/>
-                  <a:cs typeface="FreeMono" panose="020F0409020205020404" charset="0"/>
+                <a:rPr lang="en-US" altLang="zh-CN">
+                  <a:latin typeface="Times New Roman" panose="02020603050405020304" charset="0"/>
+                  <a:cs typeface="Times New Roman" panose="02020603050405020304" charset="0"/>
                 </a:rPr>
-                <a:t>conv</a:t>
+                <a:t>style transfer</a:t>
               </a:r>
-              <a:endParaRPr lang="en-US" altLang="en-US">
-                <a:latin typeface="FreeMono" panose="020F0409020205020404" charset="0"/>
-                <a:cs typeface="FreeMono" panose="020F0409020205020404" charset="0"/>
-              </a:endParaRPr>
-            </a:p>
-          </p:txBody>
-        </p:sp>
-        <p:sp>
-          <p:nvSpPr>
-            <p:cNvPr id="25" name="Text Box 24"/>
-            <p:cNvSpPr txBox="1"/>
-            <p:nvPr/>
-          </p:nvSpPr>
-          <p:spPr>
-            <a:xfrm>
-              <a:off x="7509" y="4155"/>
-              <a:ext cx="1445" cy="580"/>
-            </a:xfrm>
-            <a:prstGeom prst="rect">
-              <a:avLst/>
-            </a:prstGeom>
-            <a:noFill/>
-          </p:spPr>
-          <p:txBody>
-            <a:bodyPr wrap="square" rtlCol="0">
-              <a:spAutoFit/>
-            </a:bodyPr>
-            <a:p>
-              <a:r>
-                <a:rPr lang="en-US" altLang="en-US">
-                  <a:latin typeface="FreeMono" panose="020F0409020205020404" charset="0"/>
-                  <a:cs typeface="FreeMono" panose="020F0409020205020404" charset="0"/>
-                </a:rPr>
-                <a:t>conv</a:t>
-              </a:r>
-              <a:endParaRPr lang="en-US" altLang="en-US">
-                <a:latin typeface="FreeMono" panose="020F0409020205020404" charset="0"/>
-                <a:cs typeface="FreeMono" panose="020F0409020205020404" charset="0"/>
-              </a:endParaRPr>
-            </a:p>
-          </p:txBody>
-        </p:sp>
-        <p:sp>
-          <p:nvSpPr>
-            <p:cNvPr id="26" name="Text Box 25"/>
-            <p:cNvSpPr txBox="1"/>
-            <p:nvPr/>
-          </p:nvSpPr>
-          <p:spPr>
-            <a:xfrm rot="10800000">
-              <a:off x="9914" y="3350"/>
-              <a:ext cx="675" cy="2022"/>
-            </a:xfrm>
-            <a:prstGeom prst="rect">
-              <a:avLst/>
-            </a:prstGeom>
-            <a:noFill/>
-          </p:spPr>
-          <p:txBody>
-            <a:bodyPr vert="eaVert" wrap="square" rtlCol="0">
-              <a:spAutoFit/>
-            </a:bodyPr>
-            <a:p>
-              <a:r>
-                <a:rPr lang="en-US" altLang="en-US" sz="1600">
-                  <a:latin typeface="FreeMono" panose="020F0409020205020404" charset="0"/>
-                  <a:cs typeface="FreeMono" panose="020F0409020205020404" charset="0"/>
-                </a:rPr>
-                <a:t>pooling-5</a:t>
-              </a:r>
-              <a:endParaRPr lang="en-US" altLang="en-US" sz="1600">
-                <a:latin typeface="FreeMono" panose="020F0409020205020404" charset="0"/>
-                <a:cs typeface="FreeMono" panose="020F0409020205020404" charset="0"/>
-              </a:endParaRPr>
-            </a:p>
-          </p:txBody>
-        </p:sp>
-        <p:sp>
-          <p:nvSpPr>
-            <p:cNvPr id="27" name="Text Box 26"/>
-            <p:cNvSpPr txBox="1"/>
-            <p:nvPr/>
-          </p:nvSpPr>
-          <p:spPr>
-            <a:xfrm rot="10800000">
-              <a:off x="10905" y="3305"/>
-              <a:ext cx="724" cy="1793"/>
-            </a:xfrm>
-            <a:prstGeom prst="rect">
-              <a:avLst/>
-            </a:prstGeom>
-            <a:noFill/>
-          </p:spPr>
-          <p:txBody>
-            <a:bodyPr vert="eaVert" wrap="square" rtlCol="0">
-              <a:spAutoFit/>
-            </a:bodyPr>
-            <a:p>
-              <a:r>
-                <a:rPr lang="en-US" altLang="en-US">
-                  <a:latin typeface="FreeMono" panose="020F0409020205020404" charset="0"/>
-                  <a:cs typeface="FreeMono" panose="020F0409020205020404" charset="0"/>
-                </a:rPr>
-                <a:t>FC-4096</a:t>
-              </a:r>
-              <a:endParaRPr lang="en-US" altLang="en-US">
-                <a:latin typeface="FreeMono" panose="020F0409020205020404" charset="0"/>
-                <a:cs typeface="FreeMono" panose="020F0409020205020404" charset="0"/>
-              </a:endParaRPr>
-            </a:p>
-          </p:txBody>
-        </p:sp>
-        <p:sp>
-          <p:nvSpPr>
-            <p:cNvPr id="30" name="Text Box 29"/>
-            <p:cNvSpPr txBox="1"/>
-            <p:nvPr/>
-          </p:nvSpPr>
-          <p:spPr>
-            <a:xfrm rot="10800000">
-              <a:off x="11921" y="2581"/>
-              <a:ext cx="724" cy="3260"/>
-            </a:xfrm>
-            <a:prstGeom prst="rect">
-              <a:avLst/>
-            </a:prstGeom>
-            <a:noFill/>
-          </p:spPr>
-          <p:txBody>
-            <a:bodyPr vert="eaVert" wrap="square" rtlCol="0">
-              <a:spAutoFit/>
-            </a:bodyPr>
-            <a:p>
-              <a:r>
-                <a:rPr lang="en-US" altLang="en-US">
-                  <a:latin typeface="FreeMono" panose="020F0409020205020404" charset="0"/>
-                  <a:cs typeface="FreeMono" panose="020F0409020205020404" charset="0"/>
-                </a:rPr>
-                <a:t>FC-trackletID</a:t>
-              </a:r>
-              <a:endParaRPr lang="en-US" altLang="en-US">
-                <a:latin typeface="FreeMono" panose="020F0409020205020404" charset="0"/>
-                <a:cs typeface="FreeMono" panose="020F0409020205020404" charset="0"/>
+              <a:endParaRPr lang="en-US" altLang="zh-CN">
+                <a:latin typeface="Times New Roman" panose="02020603050405020304" charset="0"/>
+                <a:cs typeface="Times New Roman" panose="02020603050405020304" charset="0"/>
               </a:endParaRPr>
             </a:p>
           </p:txBody>
